--- a/Day 17/Activité 2.3.pptx
+++ b/Day 17/Activité 2.3.pptx
@@ -5,21 +5,23 @@
     <p:sldMasterId id="2147483660" r:id="rId4"/>
   </p:sldMasterIdLst>
   <p:notesMasterIdLst>
-    <p:notesMasterId r:id="rId14"/>
+    <p:notesMasterId r:id="rId16"/>
   </p:notesMasterIdLst>
   <p:handoutMasterIdLst>
-    <p:handoutMasterId r:id="rId15"/>
+    <p:handoutMasterId r:id="rId17"/>
   </p:handoutMasterIdLst>
   <p:sldIdLst>
     <p:sldId id="266" r:id="rId5"/>
     <p:sldId id="267" r:id="rId6"/>
     <p:sldId id="268" r:id="rId7"/>
     <p:sldId id="269" r:id="rId8"/>
-    <p:sldId id="270" r:id="rId9"/>
-    <p:sldId id="271" r:id="rId10"/>
-    <p:sldId id="272" r:id="rId11"/>
-    <p:sldId id="273" r:id="rId12"/>
-    <p:sldId id="274" r:id="rId13"/>
+    <p:sldId id="276" r:id="rId9"/>
+    <p:sldId id="270" r:id="rId10"/>
+    <p:sldId id="271" r:id="rId11"/>
+    <p:sldId id="272" r:id="rId12"/>
+    <p:sldId id="273" r:id="rId13"/>
+    <p:sldId id="275" r:id="rId14"/>
+    <p:sldId id="274" r:id="rId15"/>
   </p:sldIdLst>
   <p:sldSz cx="12192000" cy="6858000"/>
   <p:notesSz cx="6858000" cy="9144000"/>
@@ -211,7 +213,7 @@
           <a:p>
             <a:fld id="{34B00FB3-878C-48C2-8C7D-21F9269E0B92}" type="datetimeFigureOut">
               <a:rPr lang="fr-FR" smtClean="0"/>
-              <a:t>23/05/2022</a:t>
+              <a:t>24/05/2022</a:t>
             </a:fld>
             <a:endParaRPr lang="fr-FR" dirty="0"/>
           </a:p>
@@ -376,7 +378,7 @@
           <a:p>
             <a:fld id="{EA8A74C6-9610-4EFF-A8CF-5CEBE7B27DC5}" type="datetimeFigureOut">
               <a:rPr lang="fr-FR" noProof="0" smtClean="0"/>
-              <a:t>23/05/2022</a:t>
+              <a:t>24/05/2022</a:t>
             </a:fld>
             <a:endParaRPr lang="fr-FR" noProof="0" dirty="0"/>
           </a:p>
@@ -974,7 +976,7 @@
             <a:pPr rtl="0"/>
             <a:fld id="{EFFBB5C9-59A7-4770-B2AA-641F3C63B4C9}" type="datetime1">
               <a:rPr lang="fr-FR" noProof="0" smtClean="0"/>
-              <a:t>23/05/2022</a:t>
+              <a:t>24/05/2022</a:t>
             </a:fld>
             <a:endParaRPr lang="fr-FR" noProof="0" dirty="0"/>
           </a:p>
@@ -1166,7 +1168,7 @@
             <a:pPr rtl="0"/>
             <a:fld id="{3897ECEE-8444-4057-BCDC-70E869F964AE}" type="datetime1">
               <a:rPr lang="fr-FR" noProof="0" smtClean="0"/>
-              <a:t>23/05/2022</a:t>
+              <a:t>24/05/2022</a:t>
             </a:fld>
             <a:endParaRPr lang="fr-FR" noProof="0" dirty="0"/>
           </a:p>
@@ -1543,7 +1545,7 @@
             <a:pPr rtl="0"/>
             <a:fld id="{D2E0D32C-F99B-4264-B2F8-362A1230B523}" type="datetime1">
               <a:rPr lang="fr-FR" noProof="0" smtClean="0"/>
-              <a:t>23/05/2022</a:t>
+              <a:t>24/05/2022</a:t>
             </a:fld>
             <a:endParaRPr lang="fr-FR" noProof="0" dirty="0"/>
           </a:p>
@@ -1802,7 +1804,7 @@
             <a:pPr rtl="0"/>
             <a:fld id="{F7D72C39-303F-4AD1-B738-8E01CD1AAB10}" type="datetime1">
               <a:rPr lang="fr-FR" noProof="0" smtClean="0"/>
-              <a:t>23/05/2022</a:t>
+              <a:t>24/05/2022</a:t>
             </a:fld>
             <a:endParaRPr lang="fr-FR" noProof="0" dirty="0"/>
           </a:p>
@@ -2203,7 +2205,7 @@
             <a:pPr rtl="0"/>
             <a:fld id="{F7F8CE47-D1E6-4DD8-AB34-2C9318886F0C}" type="datetime1">
               <a:rPr lang="fr-FR" noProof="0" smtClean="0"/>
-              <a:t>23/05/2022</a:t>
+              <a:t>24/05/2022</a:t>
             </a:fld>
             <a:endParaRPr lang="fr-FR" noProof="0" dirty="0"/>
           </a:p>
@@ -2343,7 +2345,7 @@
             <a:pPr rtl="0"/>
             <a:fld id="{7F990BC9-279D-4310-92CE-1F5AE7EF8750}" type="datetime1">
               <a:rPr lang="fr-FR" noProof="0" smtClean="0"/>
-              <a:t>23/05/2022</a:t>
+              <a:t>24/05/2022</a:t>
             </a:fld>
             <a:endParaRPr lang="fr-FR" noProof="0" dirty="0"/>
           </a:p>
@@ -2503,7 +2505,7 @@
             <a:pPr rtl="0"/>
             <a:fld id="{BFE5801A-B430-401E-B5DD-10F987106A20}" type="datetime1">
               <a:rPr lang="fr-FR" noProof="0" smtClean="0"/>
-              <a:t>23/05/2022</a:t>
+              <a:t>24/05/2022</a:t>
             </a:fld>
             <a:endParaRPr lang="fr-FR" noProof="0" dirty="0"/>
           </a:p>
@@ -2836,7 +2838,7 @@
             <a:pPr rtl="0"/>
             <a:fld id="{AC21A69B-D4C2-4BD5-8B03-93209A425E14}" type="datetime1">
               <a:rPr lang="fr-FR" noProof="0" smtClean="0"/>
-              <a:t>23/05/2022</a:t>
+              <a:t>24/05/2022</a:t>
             </a:fld>
             <a:endParaRPr lang="fr-FR" noProof="0" dirty="0"/>
           </a:p>
@@ -3191,7 +3193,7 @@
             <a:pPr rtl="0"/>
             <a:fld id="{EB14F60A-7B66-4829-887A-F663649423E8}" type="datetime1">
               <a:rPr lang="fr-FR" noProof="0" smtClean="0"/>
-              <a:t>23/05/2022</a:t>
+              <a:t>24/05/2022</a:t>
             </a:fld>
             <a:endParaRPr lang="fr-FR" noProof="0" dirty="0"/>
           </a:p>
@@ -3453,7 +3455,7 @@
             <a:pPr rtl="0"/>
             <a:fld id="{03F65A44-474D-4549-A07C-6AAA0A9314B3}" type="datetime1">
               <a:rPr lang="fr-FR" noProof="0" smtClean="0"/>
-              <a:t>23/05/2022</a:t>
+              <a:t>24/05/2022</a:t>
             </a:fld>
             <a:endParaRPr lang="fr-FR" noProof="0" dirty="0"/>
           </a:p>
@@ -4301,6 +4303,352 @@
 </p:sld>
 </file>
 
+<file path=ppt/slides/slide10.xml><?xml version="1.0" encoding="utf-8"?>
+<p:sld xmlns:a="http://schemas.openxmlformats.org/drawingml/2006/main" xmlns:r="http://schemas.openxmlformats.org/officeDocument/2006/relationships" xmlns:p="http://schemas.openxmlformats.org/presentationml/2006/main">
+  <p:cSld>
+    <p:spTree>
+      <p:nvGrpSpPr>
+        <p:cNvPr id="1" name=""/>
+        <p:cNvGrpSpPr/>
+        <p:nvPr/>
+      </p:nvGrpSpPr>
+      <p:grpSpPr>
+        <a:xfrm>
+          <a:off x="0" y="0"/>
+          <a:ext cx="0" cy="0"/>
+          <a:chOff x="0" y="0"/>
+          <a:chExt cx="0" cy="0"/>
+        </a:xfrm>
+      </p:grpSpPr>
+      <p:sp>
+        <p:nvSpPr>
+          <p:cNvPr id="7" name="ZoneTexte 6">
+            <a:extLst>
+              <a:ext uri="{FF2B5EF4-FFF2-40B4-BE49-F238E27FC236}">
+                <a16:creationId xmlns:a16="http://schemas.microsoft.com/office/drawing/2014/main" id="{0D91D51D-6E8A-4D9D-91E1-E915AD69733F}"/>
+              </a:ext>
+            </a:extLst>
+          </p:cNvPr>
+          <p:cNvSpPr txBox="1"/>
+          <p:nvPr/>
+        </p:nvSpPr>
+        <p:spPr>
+          <a:xfrm>
+            <a:off x="-377504" y="807800"/>
+            <a:ext cx="12191999" cy="1446550"/>
+          </a:xfrm>
+          <a:prstGeom prst="rect">
+            <a:avLst/>
+          </a:prstGeom>
+          <a:noFill/>
+        </p:spPr>
+        <p:txBody>
+          <a:bodyPr wrap="square">
+            <a:spAutoFit/>
+          </a:bodyPr>
+          <a:lstStyle/>
+          <a:p>
+            <a:pPr algn="ctr">
+              <a:defRPr/>
+            </a:pPr>
+            <a:r>
+              <a:rPr lang="fr-FR" sz="4400" b="1" i="0" kern="1200" dirty="0">
+                <a:solidFill>
+                  <a:schemeClr val="tx1"/>
+                </a:solidFill>
+                <a:effectLst/>
+                <a:latin typeface="+mn-lt"/>
+                <a:ea typeface="+mn-ea"/>
+                <a:cs typeface="+mn-cs"/>
+              </a:rPr>
+              <a:t>Choix final de l’outil </a:t>
+            </a:r>
+          </a:p>
+          <a:p>
+            <a:pPr marL="0" marR="0" lvl="0" indent="0" algn="ctr" defTabSz="914400" rtl="0" eaLnBrk="1" fontAlgn="auto" latinLnBrk="0" hangingPunct="1">
+              <a:lnSpc>
+                <a:spcPct val="100000"/>
+              </a:lnSpc>
+              <a:spcBef>
+                <a:spcPts val="0"/>
+              </a:spcBef>
+              <a:spcAft>
+                <a:spcPts val="0"/>
+              </a:spcAft>
+              <a:buClrTx/>
+              <a:buSzTx/>
+              <a:buFontTx/>
+              <a:buNone/>
+              <a:tabLst/>
+              <a:defRPr/>
+            </a:pPr>
+            <a:endParaRPr lang="fr-FR" sz="4400" b="1" i="0" kern="1200" dirty="0">
+              <a:solidFill>
+                <a:schemeClr val="tx1"/>
+              </a:solidFill>
+              <a:effectLst/>
+              <a:latin typeface="+mn-lt"/>
+              <a:ea typeface="+mn-ea"/>
+              <a:cs typeface="+mn-cs"/>
+            </a:endParaRPr>
+          </a:p>
+        </p:txBody>
+      </p:sp>
+      <p:sp>
+        <p:nvSpPr>
+          <p:cNvPr id="4" name="ZoneTexte 3">
+            <a:extLst>
+              <a:ext uri="{FF2B5EF4-FFF2-40B4-BE49-F238E27FC236}">
+                <a16:creationId xmlns:a16="http://schemas.microsoft.com/office/drawing/2014/main" id="{AB8EF622-C457-41FA-AAB6-B36F235DCAEA}"/>
+              </a:ext>
+            </a:extLst>
+          </p:cNvPr>
+          <p:cNvSpPr txBox="1"/>
+          <p:nvPr/>
+        </p:nvSpPr>
+        <p:spPr>
+          <a:xfrm>
+            <a:off x="1082180" y="2254350"/>
+            <a:ext cx="8145710" cy="2308324"/>
+          </a:xfrm>
+          <a:prstGeom prst="rect">
+            <a:avLst/>
+          </a:prstGeom>
+          <a:noFill/>
+        </p:spPr>
+        <p:txBody>
+          <a:bodyPr wrap="square" rtlCol="0">
+            <a:spAutoFit/>
+          </a:bodyPr>
+          <a:lstStyle/>
+          <a:p>
+            <a:r>
+              <a:rPr lang="fr-FR" dirty="0"/>
+              <a:t> Pour ma campagne j’ai finalement décidé d’utilisé </a:t>
+            </a:r>
+            <a:r>
+              <a:rPr lang="fr-FR" dirty="0" err="1"/>
+              <a:t>Xray</a:t>
+            </a:r>
+            <a:r>
+              <a:rPr lang="fr-FR" dirty="0"/>
+              <a:t> pour les raison suivantes:</a:t>
+            </a:r>
+          </a:p>
+          <a:p>
+            <a:r>
+              <a:rPr lang="fr-FR" dirty="0"/>
+              <a:t>-efficacité </a:t>
+            </a:r>
+          </a:p>
+          <a:p>
+            <a:r>
+              <a:rPr lang="fr-FR" dirty="0"/>
+              <a:t>-fonctionnalité développé comparé a </a:t>
+            </a:r>
+            <a:r>
+              <a:rPr lang="fr-FR" dirty="0" err="1"/>
+              <a:t>testlink</a:t>
+            </a:r>
+            <a:endParaRPr lang="fr-FR" dirty="0"/>
+          </a:p>
+          <a:p>
+            <a:r>
+              <a:rPr lang="fr-FR" dirty="0"/>
+              <a:t>-traçabilité entre les différente bases de tets assurée </a:t>
+            </a:r>
+          </a:p>
+          <a:p>
+            <a:r>
+              <a:rPr lang="fr-FR" dirty="0"/>
+              <a:t>-intégration parfaite avec </a:t>
+            </a:r>
+            <a:r>
+              <a:rPr lang="fr-FR" dirty="0" err="1"/>
+              <a:t>jira</a:t>
+            </a:r>
+            <a:r>
+              <a:rPr lang="fr-FR" dirty="0"/>
+              <a:t> </a:t>
+            </a:r>
+          </a:p>
+          <a:p>
+            <a:r>
+              <a:rPr lang="fr-FR" dirty="0"/>
+              <a:t>-implication beaucoup plus importante sur le niveau de l’assurance qualité logiciel </a:t>
+            </a:r>
+          </a:p>
+          <a:p>
+            <a:endParaRPr lang="fr-FR" dirty="0"/>
+          </a:p>
+          <a:p>
+            <a:r>
+              <a:rPr lang="fr-FR" dirty="0"/>
+              <a:t> </a:t>
+            </a:r>
+          </a:p>
+        </p:txBody>
+      </p:sp>
+    </p:spTree>
+    <p:extLst>
+      <p:ext uri="{BB962C8B-B14F-4D97-AF65-F5344CB8AC3E}">
+        <p14:creationId xmlns:p14="http://schemas.microsoft.com/office/powerpoint/2010/main" val="2679438972"/>
+      </p:ext>
+    </p:extLst>
+  </p:cSld>
+  <p:clrMapOvr>
+    <a:masterClrMapping/>
+  </p:clrMapOvr>
+</p:sld>
+</file>
+
+<file path=ppt/slides/slide11.xml><?xml version="1.0" encoding="utf-8"?>
+<p:sld xmlns:a="http://schemas.openxmlformats.org/drawingml/2006/main" xmlns:r="http://schemas.openxmlformats.org/officeDocument/2006/relationships" xmlns:p="http://schemas.openxmlformats.org/presentationml/2006/main">
+  <p:cSld>
+    <p:spTree>
+      <p:nvGrpSpPr>
+        <p:cNvPr id="1" name=""/>
+        <p:cNvGrpSpPr/>
+        <p:nvPr/>
+      </p:nvGrpSpPr>
+      <p:grpSpPr>
+        <a:xfrm>
+          <a:off x="0" y="0"/>
+          <a:ext cx="0" cy="0"/>
+          <a:chOff x="0" y="0"/>
+          <a:chExt cx="0" cy="0"/>
+        </a:xfrm>
+      </p:grpSpPr>
+      <p:sp>
+        <p:nvSpPr>
+          <p:cNvPr id="7" name="ZoneTexte 6">
+            <a:extLst>
+              <a:ext uri="{FF2B5EF4-FFF2-40B4-BE49-F238E27FC236}">
+                <a16:creationId xmlns:a16="http://schemas.microsoft.com/office/drawing/2014/main" id="{0D91D51D-6E8A-4D9D-91E1-E915AD69733F}"/>
+              </a:ext>
+            </a:extLst>
+          </p:cNvPr>
+          <p:cNvSpPr txBox="1"/>
+          <p:nvPr/>
+        </p:nvSpPr>
+        <p:spPr>
+          <a:xfrm>
+            <a:off x="-377504" y="807800"/>
+            <a:ext cx="12191999" cy="769441"/>
+          </a:xfrm>
+          <a:prstGeom prst="rect">
+            <a:avLst/>
+          </a:prstGeom>
+          <a:noFill/>
+        </p:spPr>
+        <p:txBody>
+          <a:bodyPr wrap="square">
+            <a:spAutoFit/>
+          </a:bodyPr>
+          <a:lstStyle/>
+          <a:p>
+            <a:pPr marL="0" marR="0" lvl="0" indent="0" algn="ctr" defTabSz="914400" rtl="0" eaLnBrk="1" fontAlgn="auto" latinLnBrk="0" hangingPunct="1">
+              <a:lnSpc>
+                <a:spcPct val="100000"/>
+              </a:lnSpc>
+              <a:spcBef>
+                <a:spcPts val="0"/>
+              </a:spcBef>
+              <a:spcAft>
+                <a:spcPts val="0"/>
+              </a:spcAft>
+              <a:buClrTx/>
+              <a:buSzTx/>
+              <a:buFontTx/>
+              <a:buNone/>
+              <a:tabLst/>
+              <a:defRPr/>
+            </a:pPr>
+            <a:r>
+              <a:rPr lang="fr-FR" sz="4400" b="1" i="0" kern="1200" dirty="0">
+                <a:solidFill>
+                  <a:schemeClr val="tx1"/>
+                </a:solidFill>
+                <a:effectLst/>
+                <a:latin typeface="+mn-lt"/>
+                <a:ea typeface="+mn-ea"/>
+                <a:cs typeface="+mn-cs"/>
+              </a:rPr>
+              <a:t>Conclusion </a:t>
+            </a:r>
+          </a:p>
+        </p:txBody>
+      </p:sp>
+      <p:sp>
+        <p:nvSpPr>
+          <p:cNvPr id="4" name="ZoneTexte 3">
+            <a:extLst>
+              <a:ext uri="{FF2B5EF4-FFF2-40B4-BE49-F238E27FC236}">
+                <a16:creationId xmlns:a16="http://schemas.microsoft.com/office/drawing/2014/main" id="{AB8EF622-C457-41FA-AAB6-B36F235DCAEA}"/>
+              </a:ext>
+            </a:extLst>
+          </p:cNvPr>
+          <p:cNvSpPr txBox="1"/>
+          <p:nvPr/>
+        </p:nvSpPr>
+        <p:spPr>
+          <a:xfrm>
+            <a:off x="1082180" y="2254350"/>
+            <a:ext cx="8145710" cy="1200329"/>
+          </a:xfrm>
+          <a:prstGeom prst="rect">
+            <a:avLst/>
+          </a:prstGeom>
+          <a:noFill/>
+        </p:spPr>
+        <p:txBody>
+          <a:bodyPr wrap="square" rtlCol="0">
+            <a:spAutoFit/>
+          </a:bodyPr>
+          <a:lstStyle/>
+          <a:p>
+            <a:r>
+              <a:rPr lang="fr-FR" dirty="0"/>
+              <a:t>Dans le marcher il existe beaucoup d’outil de gestion de test meilleurs telle que </a:t>
+            </a:r>
+            <a:r>
+              <a:rPr lang="fr-FR" dirty="0" err="1"/>
+              <a:t>testpad</a:t>
+            </a:r>
+            <a:r>
+              <a:rPr lang="fr-FR" dirty="0"/>
+              <a:t> ou </a:t>
+            </a:r>
+            <a:r>
+              <a:rPr lang="fr-FR" dirty="0" err="1"/>
+              <a:t>Practitest</a:t>
+            </a:r>
+            <a:r>
+              <a:rPr lang="fr-FR" dirty="0"/>
+              <a:t> , mon choix a été fait  de point de vue contexte de la plateforme et des spécification de cette dernière en fonction des fonctionnalités,  </a:t>
+            </a:r>
+          </a:p>
+          <a:p>
+            <a:r>
+              <a:rPr lang="fr-FR" dirty="0"/>
+              <a:t> </a:t>
+            </a:r>
+          </a:p>
+        </p:txBody>
+      </p:sp>
+    </p:spTree>
+    <p:extLst>
+      <p:ext uri="{BB962C8B-B14F-4D97-AF65-F5344CB8AC3E}">
+        <p14:creationId xmlns:p14="http://schemas.microsoft.com/office/powerpoint/2010/main" val="174284100"/>
+      </p:ext>
+    </p:extLst>
+  </p:cSld>
+  <p:clrMapOvr>
+    <a:masterClrMapping/>
+  </p:clrMapOvr>
+</p:sld>
+</file>
+
 <file path=ppt/slides/slide2.xml><?xml version="1.0" encoding="utf-8"?>
 <p:sld xmlns:a="http://schemas.openxmlformats.org/drawingml/2006/main" xmlns:r="http://schemas.openxmlformats.org/officeDocument/2006/relationships" xmlns:p="http://schemas.openxmlformats.org/presentationml/2006/main">
   <p:cSld>
@@ -5210,6 +5558,256 @@
         </p:nvSpPr>
         <p:spPr>
           <a:xfrm>
+            <a:off x="2757980" y="489018"/>
+            <a:ext cx="6096000" cy="2123658"/>
+          </a:xfrm>
+          <a:prstGeom prst="rect">
+            <a:avLst/>
+          </a:prstGeom>
+          <a:noFill/>
+        </p:spPr>
+        <p:txBody>
+          <a:bodyPr wrap="square">
+            <a:spAutoFit/>
+          </a:bodyPr>
+          <a:lstStyle/>
+          <a:p>
+            <a:pPr marL="0" marR="0" lvl="0" indent="0" algn="ctr" defTabSz="914400" rtl="0" eaLnBrk="1" fontAlgn="auto" latinLnBrk="0" hangingPunct="1">
+              <a:lnSpc>
+                <a:spcPct val="100000"/>
+              </a:lnSpc>
+              <a:spcBef>
+                <a:spcPts val="0"/>
+              </a:spcBef>
+              <a:spcAft>
+                <a:spcPts val="0"/>
+              </a:spcAft>
+              <a:buClrTx/>
+              <a:buSzTx/>
+              <a:buFontTx/>
+              <a:buNone/>
+              <a:tabLst/>
+              <a:defRPr/>
+            </a:pPr>
+            <a:r>
+              <a:rPr lang="fr-FR" sz="4400" b="1" i="0" kern="1200" dirty="0">
+                <a:solidFill>
+                  <a:schemeClr val="tx1"/>
+                </a:solidFill>
+                <a:effectLst/>
+                <a:latin typeface="+mn-lt"/>
+                <a:ea typeface="+mn-ea"/>
+                <a:cs typeface="+mn-cs"/>
+              </a:rPr>
+              <a:t>Que ce qu’un outil de test ?</a:t>
+            </a:r>
+          </a:p>
+          <a:p>
+            <a:pPr marL="0" marR="0" lvl="0" indent="0" algn="ctr" defTabSz="914400" rtl="0" eaLnBrk="1" fontAlgn="auto" latinLnBrk="0" hangingPunct="1">
+              <a:lnSpc>
+                <a:spcPct val="100000"/>
+              </a:lnSpc>
+              <a:spcBef>
+                <a:spcPts val="0"/>
+              </a:spcBef>
+              <a:spcAft>
+                <a:spcPts val="0"/>
+              </a:spcAft>
+              <a:buClrTx/>
+              <a:buSzTx/>
+              <a:buFontTx/>
+              <a:buNone/>
+              <a:tabLst/>
+              <a:defRPr/>
+            </a:pPr>
+            <a:endParaRPr lang="fr-FR" sz="4400" b="1" i="0" kern="1200" dirty="0">
+              <a:solidFill>
+                <a:schemeClr val="tx1"/>
+              </a:solidFill>
+              <a:effectLst/>
+              <a:latin typeface="+mn-lt"/>
+              <a:ea typeface="+mn-ea"/>
+              <a:cs typeface="+mn-cs"/>
+            </a:endParaRPr>
+          </a:p>
+        </p:txBody>
+      </p:sp>
+      <p:sp>
+        <p:nvSpPr>
+          <p:cNvPr id="4" name="ZoneTexte 3">
+            <a:extLst>
+              <a:ext uri="{FF2B5EF4-FFF2-40B4-BE49-F238E27FC236}">
+                <a16:creationId xmlns:a16="http://schemas.microsoft.com/office/drawing/2014/main" id="{77A8D001-D552-443C-B720-3164673E7284}"/>
+              </a:ext>
+            </a:extLst>
+          </p:cNvPr>
+          <p:cNvSpPr txBox="1"/>
+          <p:nvPr/>
+        </p:nvSpPr>
+        <p:spPr>
+          <a:xfrm>
+            <a:off x="1107346" y="2830520"/>
+            <a:ext cx="7118102" cy="1754326"/>
+          </a:xfrm>
+          <a:prstGeom prst="rect">
+            <a:avLst/>
+          </a:prstGeom>
+          <a:noFill/>
+        </p:spPr>
+        <p:txBody>
+          <a:bodyPr wrap="square" rtlCol="0">
+            <a:spAutoFit/>
+          </a:bodyPr>
+          <a:lstStyle/>
+          <a:p>
+            <a:pPr algn="l"/>
+            <a:r>
+              <a:rPr lang="fr-FR" i="1" dirty="0">
+                <a:effectLst/>
+                <a:latin typeface="Arial" panose="020B0604020202020204" pitchFamily="34" charset="0"/>
+                <a:cs typeface="Arial" panose="020B0604020202020204" pitchFamily="34" charset="0"/>
+              </a:rPr>
+              <a:t>Un logiciel de gestion doit être ergonomique et Simple</a:t>
+            </a:r>
+          </a:p>
+          <a:p>
+            <a:r>
+              <a:rPr lang="fr-FR" i="1" dirty="0">
+                <a:effectLst/>
+                <a:latin typeface="Arial" panose="020B0604020202020204" pitchFamily="34" charset="0"/>
+                <a:cs typeface="Arial" panose="020B0604020202020204" pitchFamily="34" charset="0"/>
+              </a:rPr>
+              <a:t>Choisir une solution qui connait votre métier</a:t>
+            </a:r>
+          </a:p>
+          <a:p>
+            <a:r>
+              <a:rPr lang="fr-FR" i="1" dirty="0">
+                <a:effectLst/>
+                <a:latin typeface="Arial" panose="020B0604020202020204" pitchFamily="34" charset="0"/>
+                <a:cs typeface="Arial" panose="020B0604020202020204" pitchFamily="34" charset="0"/>
+              </a:rPr>
+              <a:t>Penser mobilité de vos collaborateurs</a:t>
+            </a:r>
+          </a:p>
+          <a:p>
+            <a:r>
+              <a:rPr lang="fr-FR" i="1" dirty="0">
+                <a:effectLst/>
+                <a:latin typeface="Arial" panose="020B0604020202020204" pitchFamily="34" charset="0"/>
+                <a:cs typeface="Arial" panose="020B0604020202020204" pitchFamily="34" charset="0"/>
+              </a:rPr>
+              <a:t>Le modèle économique d’un logiciel de gestion</a:t>
+            </a:r>
+          </a:p>
+          <a:p>
+            <a:r>
+              <a:rPr lang="fr-FR" i="1" dirty="0">
+                <a:effectLst/>
+                <a:latin typeface="Arial" panose="020B0604020202020204" pitchFamily="34" charset="0"/>
+                <a:cs typeface="Arial" panose="020B0604020202020204" pitchFamily="34" charset="0"/>
+              </a:rPr>
+              <a:t>L’accompagnement et le service</a:t>
+            </a:r>
+          </a:p>
+          <a:p>
+            <a:pPr algn="l"/>
+            <a:endParaRPr lang="fr-FR" b="1" i="0" dirty="0">
+              <a:solidFill>
+                <a:srgbClr val="403E36"/>
+              </a:solidFill>
+              <a:effectLst/>
+              <a:latin typeface="Lato" panose="020B0604020202020204" pitchFamily="34" charset="0"/>
+            </a:endParaRPr>
+          </a:p>
+        </p:txBody>
+      </p:sp>
+      <p:sp>
+        <p:nvSpPr>
+          <p:cNvPr id="5" name="ZoneTexte 4">
+            <a:extLst>
+              <a:ext uri="{FF2B5EF4-FFF2-40B4-BE49-F238E27FC236}">
+                <a16:creationId xmlns:a16="http://schemas.microsoft.com/office/drawing/2014/main" id="{C2F31361-14A5-C22F-F561-FAE77BE6B9A5}"/>
+              </a:ext>
+            </a:extLst>
+          </p:cNvPr>
+          <p:cNvSpPr txBox="1"/>
+          <p:nvPr/>
+        </p:nvSpPr>
+        <p:spPr>
+          <a:xfrm>
+            <a:off x="1242968" y="1900739"/>
+            <a:ext cx="7118102" cy="369332"/>
+          </a:xfrm>
+          <a:prstGeom prst="rect">
+            <a:avLst/>
+          </a:prstGeom>
+          <a:noFill/>
+        </p:spPr>
+        <p:txBody>
+          <a:bodyPr wrap="square" rtlCol="0">
+            <a:spAutoFit/>
+          </a:bodyPr>
+          <a:lstStyle/>
+          <a:p>
+            <a:pPr algn="l"/>
+            <a:r>
+              <a:rPr lang="fr-FR" b="1" i="0" dirty="0">
+                <a:solidFill>
+                  <a:srgbClr val="403E36"/>
+                </a:solidFill>
+                <a:effectLst/>
+                <a:latin typeface="Lato" panose="020B0604020202020204" pitchFamily="34" charset="0"/>
+              </a:rPr>
+              <a:t>Critère de choix d’un outil de test : </a:t>
+            </a:r>
+          </a:p>
+        </p:txBody>
+      </p:sp>
+    </p:spTree>
+    <p:extLst>
+      <p:ext uri="{BB962C8B-B14F-4D97-AF65-F5344CB8AC3E}">
+        <p14:creationId xmlns:p14="http://schemas.microsoft.com/office/powerpoint/2010/main" val="2749349135"/>
+      </p:ext>
+    </p:extLst>
+  </p:cSld>
+  <p:clrMapOvr>
+    <a:masterClrMapping/>
+  </p:clrMapOvr>
+</p:sld>
+</file>
+
+<file path=ppt/slides/slide6.xml><?xml version="1.0" encoding="utf-8"?>
+<p:sld xmlns:a="http://schemas.openxmlformats.org/drawingml/2006/main" xmlns:r="http://schemas.openxmlformats.org/officeDocument/2006/relationships" xmlns:p="http://schemas.openxmlformats.org/presentationml/2006/main">
+  <p:cSld>
+    <p:spTree>
+      <p:nvGrpSpPr>
+        <p:cNvPr id="1" name=""/>
+        <p:cNvGrpSpPr/>
+        <p:nvPr/>
+      </p:nvGrpSpPr>
+      <p:grpSpPr>
+        <a:xfrm>
+          <a:off x="0" y="0"/>
+          <a:ext cx="0" cy="0"/>
+          <a:chOff x="0" y="0"/>
+          <a:chExt cx="0" cy="0"/>
+        </a:xfrm>
+      </p:grpSpPr>
+      <p:sp>
+        <p:nvSpPr>
+          <p:cNvPr id="7" name="ZoneTexte 6">
+            <a:extLst>
+              <a:ext uri="{FF2B5EF4-FFF2-40B4-BE49-F238E27FC236}">
+                <a16:creationId xmlns:a16="http://schemas.microsoft.com/office/drawing/2014/main" id="{0D91D51D-6E8A-4D9D-91E1-E915AD69733F}"/>
+              </a:ext>
+            </a:extLst>
+          </p:cNvPr>
+          <p:cNvSpPr txBox="1"/>
+          <p:nvPr/>
+        </p:nvSpPr>
+        <p:spPr>
+          <a:xfrm>
             <a:off x="2774758" y="254125"/>
             <a:ext cx="6096000" cy="1446550"/>
           </a:xfrm>
@@ -5449,7 +6047,7 @@
 </p:sld>
 </file>
 
-<file path=ppt/slides/slide6.xml><?xml version="1.0" encoding="utf-8"?>
+<file path=ppt/slides/slide7.xml><?xml version="1.0" encoding="utf-8"?>
 <p:sld xmlns:a="http://schemas.openxmlformats.org/drawingml/2006/main" xmlns:r="http://schemas.openxmlformats.org/officeDocument/2006/relationships" xmlns:p="http://schemas.openxmlformats.org/presentationml/2006/main">
   <p:cSld>
     <p:spTree>
@@ -5640,7 +6238,7 @@
 </p:sld>
 </file>
 
-<file path=ppt/slides/slide7.xml><?xml version="1.0" encoding="utf-8"?>
+<file path=ppt/slides/slide8.xml><?xml version="1.0" encoding="utf-8"?>
 <p:sld xmlns:a="http://schemas.openxmlformats.org/drawingml/2006/main" xmlns:r="http://schemas.openxmlformats.org/officeDocument/2006/relationships" xmlns:p="http://schemas.openxmlformats.org/presentationml/2006/main">
   <p:cSld>
     <p:spTree>
@@ -6214,7 +6812,7 @@
 </p:sld>
 </file>
 
-<file path=ppt/slides/slide8.xml><?xml version="1.0" encoding="utf-8"?>
+<file path=ppt/slides/slide9.xml><?xml version="1.0" encoding="utf-8"?>
 <p:sld xmlns:a="http://schemas.openxmlformats.org/drawingml/2006/main" xmlns:r="http://schemas.openxmlformats.org/officeDocument/2006/relationships" xmlns:p="http://schemas.openxmlformats.org/presentationml/2006/main">
   <p:cSld>
     <p:spTree>
@@ -6404,153 +7002,6 @@
     <p:extLst>
       <p:ext uri="{BB962C8B-B14F-4D97-AF65-F5344CB8AC3E}">
         <p14:creationId xmlns:p14="http://schemas.microsoft.com/office/powerpoint/2010/main" val="1411618237"/>
-      </p:ext>
-    </p:extLst>
-  </p:cSld>
-  <p:clrMapOvr>
-    <a:masterClrMapping/>
-  </p:clrMapOvr>
-</p:sld>
-</file>
-
-<file path=ppt/slides/slide9.xml><?xml version="1.0" encoding="utf-8"?>
-<p:sld xmlns:a="http://schemas.openxmlformats.org/drawingml/2006/main" xmlns:r="http://schemas.openxmlformats.org/officeDocument/2006/relationships" xmlns:p="http://schemas.openxmlformats.org/presentationml/2006/main">
-  <p:cSld>
-    <p:spTree>
-      <p:nvGrpSpPr>
-        <p:cNvPr id="1" name=""/>
-        <p:cNvGrpSpPr/>
-        <p:nvPr/>
-      </p:nvGrpSpPr>
-      <p:grpSpPr>
-        <a:xfrm>
-          <a:off x="0" y="0"/>
-          <a:ext cx="0" cy="0"/>
-          <a:chOff x="0" y="0"/>
-          <a:chExt cx="0" cy="0"/>
-        </a:xfrm>
-      </p:grpSpPr>
-      <p:sp>
-        <p:nvSpPr>
-          <p:cNvPr id="7" name="ZoneTexte 6">
-            <a:extLst>
-              <a:ext uri="{FF2B5EF4-FFF2-40B4-BE49-F238E27FC236}">
-                <a16:creationId xmlns:a16="http://schemas.microsoft.com/office/drawing/2014/main" id="{0D91D51D-6E8A-4D9D-91E1-E915AD69733F}"/>
-              </a:ext>
-            </a:extLst>
-          </p:cNvPr>
-          <p:cNvSpPr txBox="1"/>
-          <p:nvPr/>
-        </p:nvSpPr>
-        <p:spPr>
-          <a:xfrm>
-            <a:off x="-377504" y="807800"/>
-            <a:ext cx="12191999" cy="769441"/>
-          </a:xfrm>
-          <a:prstGeom prst="rect">
-            <a:avLst/>
-          </a:prstGeom>
-          <a:noFill/>
-        </p:spPr>
-        <p:txBody>
-          <a:bodyPr wrap="square">
-            <a:spAutoFit/>
-          </a:bodyPr>
-          <a:lstStyle/>
-          <a:p>
-            <a:pPr marL="0" marR="0" lvl="0" indent="0" algn="ctr" defTabSz="914400" rtl="0" eaLnBrk="1" fontAlgn="auto" latinLnBrk="0" hangingPunct="1">
-              <a:lnSpc>
-                <a:spcPct val="100000"/>
-              </a:lnSpc>
-              <a:spcBef>
-                <a:spcPts val="0"/>
-              </a:spcBef>
-              <a:spcAft>
-                <a:spcPts val="0"/>
-              </a:spcAft>
-              <a:buClrTx/>
-              <a:buSzTx/>
-              <a:buFontTx/>
-              <a:buNone/>
-              <a:tabLst/>
-              <a:defRPr/>
-            </a:pPr>
-            <a:r>
-              <a:rPr lang="fr-FR" sz="4400" b="1" i="0" kern="1200" dirty="0">
-                <a:solidFill>
-                  <a:schemeClr val="tx1"/>
-                </a:solidFill>
-                <a:effectLst/>
-                <a:latin typeface="+mn-lt"/>
-                <a:ea typeface="+mn-ea"/>
-                <a:cs typeface="+mn-cs"/>
-              </a:rPr>
-              <a:t>Conclusion </a:t>
-            </a:r>
-          </a:p>
-        </p:txBody>
-      </p:sp>
-      <p:sp>
-        <p:nvSpPr>
-          <p:cNvPr id="4" name="ZoneTexte 3">
-            <a:extLst>
-              <a:ext uri="{FF2B5EF4-FFF2-40B4-BE49-F238E27FC236}">
-                <a16:creationId xmlns:a16="http://schemas.microsoft.com/office/drawing/2014/main" id="{AB8EF622-C457-41FA-AAB6-B36F235DCAEA}"/>
-              </a:ext>
-            </a:extLst>
-          </p:cNvPr>
-          <p:cNvSpPr txBox="1"/>
-          <p:nvPr/>
-        </p:nvSpPr>
-        <p:spPr>
-          <a:xfrm>
-            <a:off x="1082180" y="2254350"/>
-            <a:ext cx="8145710" cy="1200329"/>
-          </a:xfrm>
-          <a:prstGeom prst="rect">
-            <a:avLst/>
-          </a:prstGeom>
-          <a:noFill/>
-        </p:spPr>
-        <p:txBody>
-          <a:bodyPr wrap="square" rtlCol="0">
-            <a:spAutoFit/>
-          </a:bodyPr>
-          <a:lstStyle/>
-          <a:p>
-            <a:r>
-              <a:rPr lang="fr-FR" dirty="0"/>
-              <a:t>Dans le marcher il existe beaucoup d’outil de gestion de test meilleurs telle que </a:t>
-            </a:r>
-            <a:r>
-              <a:rPr lang="fr-FR" dirty="0" err="1"/>
-              <a:t>testpad</a:t>
-            </a:r>
-            <a:r>
-              <a:rPr lang="fr-FR" dirty="0"/>
-              <a:t> ou </a:t>
-            </a:r>
-            <a:r>
-              <a:rPr lang="fr-FR" dirty="0" err="1"/>
-              <a:t>Practitest</a:t>
-            </a:r>
-            <a:r>
-              <a:rPr lang="fr-FR" dirty="0"/>
-              <a:t> , mon choix a été fait  de point de vue contexte de la plateforme et des spécification de cette dernière en fonction des fonctionnalités,  </a:t>
-            </a:r>
-          </a:p>
-          <a:p>
-            <a:r>
-              <a:rPr lang="fr-FR" dirty="0"/>
-              <a:t> </a:t>
-            </a:r>
-          </a:p>
-        </p:txBody>
-      </p:sp>
-    </p:spTree>
-    <p:extLst>
-      <p:ext uri="{BB962C8B-B14F-4D97-AF65-F5344CB8AC3E}">
-        <p14:creationId xmlns:p14="http://schemas.microsoft.com/office/powerpoint/2010/main" val="174284100"/>
       </p:ext>
     </p:extLst>
   </p:cSld>
@@ -7409,6 +7860,15 @@
 </file>
 
 <file path=customXml/item1.xml><?xml version="1.0" encoding="utf-8"?>
+<?mso-contentType ?>
+<FormTemplates xmlns="http://schemas.microsoft.com/sharepoint/v3/contenttype/forms">
+  <Display>DocumentLibraryForm</Display>
+  <Edit>DocumentLibraryForm</Edit>
+  <New>DocumentLibraryForm</New>
+</FormTemplates>
+</file>
+
+<file path=customXml/item2.xml><?xml version="1.0" encoding="utf-8"?>
 <ct:contentTypeSchema xmlns:ct="http://schemas.microsoft.com/office/2006/metadata/contentType" xmlns:ma="http://schemas.microsoft.com/office/2006/metadata/properties/metaAttributes" ct:_="" ma:_="" ma:contentTypeName="Document" ma:contentTypeID="0x01010079F111ED35F8CC479449609E8A0923A6" ma:contentTypeVersion="12" ma:contentTypeDescription="Create a new document." ma:contentTypeScope="" ma:versionID="a410dd7f93c95333ffa1b60ed6adedd1">
   <xsd:schema xmlns:xsd="http://www.w3.org/2001/XMLSchema" xmlns:xs="http://www.w3.org/2001/XMLSchema" xmlns:p="http://schemas.microsoft.com/office/2006/metadata/properties" xmlns:ns2="71af3243-3dd4-4a8d-8c0d-dd76da1f02a5" xmlns:ns3="16c05727-aa75-4e4a-9b5f-8a80a1165891" targetNamespace="http://schemas.microsoft.com/office/2006/metadata/properties" ma:root="true" ma:fieldsID="a936d9baba76aa3866493feff160faab" ns2:_="" ns3:_="">
     <xsd:import namespace="71af3243-3dd4-4a8d-8c0d-dd76da1f02a5"/>
@@ -7629,15 +8089,6 @@
 </ct:contentTypeSchema>
 </file>
 
-<file path=customXml/item2.xml><?xml version="1.0" encoding="utf-8"?>
-<?mso-contentType ?>
-<FormTemplates xmlns="http://schemas.microsoft.com/sharepoint/v3/contenttype/forms">
-  <Display>DocumentLibraryForm</Display>
-  <Edit>DocumentLibraryForm</Edit>
-  <New>DocumentLibraryForm</New>
-</FormTemplates>
-</file>
-
 <file path=customXml/item3.xml><?xml version="1.0" encoding="utf-8"?>
 <p:properties xmlns:p="http://schemas.microsoft.com/office/2006/metadata/properties" xmlns:xsi="http://www.w3.org/2001/XMLSchema-instance" xmlns:pc="http://schemas.microsoft.com/office/infopath/2007/PartnerControls">
   <documentManagement>
@@ -7648,6 +8099,14 @@
 </file>
 
 <file path=customXml/itemProps1.xml><?xml version="1.0" encoding="utf-8"?>
+<ds:datastoreItem xmlns:ds="http://schemas.openxmlformats.org/officeDocument/2006/customXml" ds:itemID="{31F006B4-A9E1-4F39-85C8-FB836F919348}">
+  <ds:schemaRefs>
+    <ds:schemaRef ds:uri="http://schemas.microsoft.com/sharepoint/v3/contenttype/forms"/>
+  </ds:schemaRefs>
+</ds:datastoreItem>
+</file>
+
+<file path=customXml/itemProps2.xml><?xml version="1.0" encoding="utf-8"?>
 <ds:datastoreItem xmlns:ds="http://schemas.openxmlformats.org/officeDocument/2006/customXml" ds:itemID="{16377351-63A1-4C2E-8C9A-66CDD70F16AC}">
   <ds:schemaRefs>
     <ds:schemaRef ds:uri="http://schemas.microsoft.com/office/2006/metadata/contentType"/>
@@ -7666,14 +8125,6 @@
 </ds:datastoreItem>
 </file>
 
-<file path=customXml/itemProps2.xml><?xml version="1.0" encoding="utf-8"?>
-<ds:datastoreItem xmlns:ds="http://schemas.openxmlformats.org/officeDocument/2006/customXml" ds:itemID="{31F006B4-A9E1-4F39-85C8-FB836F919348}">
-  <ds:schemaRefs>
-    <ds:schemaRef ds:uri="http://schemas.microsoft.com/sharepoint/v3/contenttype/forms"/>
-  </ds:schemaRefs>
-</ds:datastoreItem>
-</file>
-
 <file path=customXml/itemProps3.xml><?xml version="1.0" encoding="utf-8"?>
 <ds:datastoreItem xmlns:ds="http://schemas.openxmlformats.org/officeDocument/2006/customXml" ds:itemID="{8F3CD65D-61A5-43C9-A837-6EC73C7DA8AB}">
   <ds:schemaRefs>

--- a/Day 17/Activité 2.3.pptx
+++ b/Day 17/Activité 2.3.pptx
@@ -5,10 +5,10 @@
     <p:sldMasterId id="2147483660" r:id="rId4"/>
   </p:sldMasterIdLst>
   <p:notesMasterIdLst>
-    <p:notesMasterId r:id="rId16"/>
+    <p:notesMasterId r:id="rId17"/>
   </p:notesMasterIdLst>
   <p:handoutMasterIdLst>
-    <p:handoutMasterId r:id="rId17"/>
+    <p:handoutMasterId r:id="rId18"/>
   </p:handoutMasterIdLst>
   <p:sldIdLst>
     <p:sldId id="266" r:id="rId5"/>
@@ -20,8 +20,9 @@
     <p:sldId id="271" r:id="rId11"/>
     <p:sldId id="272" r:id="rId12"/>
     <p:sldId id="273" r:id="rId13"/>
-    <p:sldId id="275" r:id="rId14"/>
-    <p:sldId id="274" r:id="rId15"/>
+    <p:sldId id="277" r:id="rId14"/>
+    <p:sldId id="275" r:id="rId15"/>
+    <p:sldId id="274" r:id="rId16"/>
   </p:sldIdLst>
   <p:sldSz cx="12192000" cy="6858000"/>
   <p:notesSz cx="6858000" cy="9144000"/>
@@ -4394,6 +4395,140 @@
           </a:p>
         </p:txBody>
       </p:sp>
+      <p:pic>
+        <p:nvPicPr>
+          <p:cNvPr id="3" name="Image 2">
+            <a:extLst>
+              <a:ext uri="{FF2B5EF4-FFF2-40B4-BE49-F238E27FC236}">
+                <a16:creationId xmlns:a16="http://schemas.microsoft.com/office/drawing/2014/main" id="{5EADD0AA-0BA5-8E91-66BE-ADC4F7053C38}"/>
+              </a:ext>
+            </a:extLst>
+          </p:cNvPr>
+          <p:cNvPicPr>
+            <a:picLocks noChangeAspect="1"/>
+          </p:cNvPicPr>
+          <p:nvPr/>
+        </p:nvPicPr>
+        <p:blipFill>
+          <a:blip r:embed="rId2"/>
+          <a:stretch>
+            <a:fillRect/>
+          </a:stretch>
+        </p:blipFill>
+        <p:spPr>
+          <a:xfrm>
+            <a:off x="2145049" y="1925446"/>
+            <a:ext cx="6789226" cy="4343644"/>
+          </a:xfrm>
+          <a:prstGeom prst="rect">
+            <a:avLst/>
+          </a:prstGeom>
+        </p:spPr>
+      </p:pic>
+    </p:spTree>
+    <p:extLst>
+      <p:ext uri="{BB962C8B-B14F-4D97-AF65-F5344CB8AC3E}">
+        <p14:creationId xmlns:p14="http://schemas.microsoft.com/office/powerpoint/2010/main" val="2092993643"/>
+      </p:ext>
+    </p:extLst>
+  </p:cSld>
+  <p:clrMapOvr>
+    <a:masterClrMapping/>
+  </p:clrMapOvr>
+</p:sld>
+</file>
+
+<file path=ppt/slides/slide11.xml><?xml version="1.0" encoding="utf-8"?>
+<p:sld xmlns:a="http://schemas.openxmlformats.org/drawingml/2006/main" xmlns:r="http://schemas.openxmlformats.org/officeDocument/2006/relationships" xmlns:p="http://schemas.openxmlformats.org/presentationml/2006/main">
+  <p:cSld>
+    <p:spTree>
+      <p:nvGrpSpPr>
+        <p:cNvPr id="1" name=""/>
+        <p:cNvGrpSpPr/>
+        <p:nvPr/>
+      </p:nvGrpSpPr>
+      <p:grpSpPr>
+        <a:xfrm>
+          <a:off x="0" y="0"/>
+          <a:ext cx="0" cy="0"/>
+          <a:chOff x="0" y="0"/>
+          <a:chExt cx="0" cy="0"/>
+        </a:xfrm>
+      </p:grpSpPr>
+      <p:sp>
+        <p:nvSpPr>
+          <p:cNvPr id="7" name="ZoneTexte 6">
+            <a:extLst>
+              <a:ext uri="{FF2B5EF4-FFF2-40B4-BE49-F238E27FC236}">
+                <a16:creationId xmlns:a16="http://schemas.microsoft.com/office/drawing/2014/main" id="{0D91D51D-6E8A-4D9D-91E1-E915AD69733F}"/>
+              </a:ext>
+            </a:extLst>
+          </p:cNvPr>
+          <p:cNvSpPr txBox="1"/>
+          <p:nvPr/>
+        </p:nvSpPr>
+        <p:spPr>
+          <a:xfrm>
+            <a:off x="-377504" y="807800"/>
+            <a:ext cx="12191999" cy="1446550"/>
+          </a:xfrm>
+          <a:prstGeom prst="rect">
+            <a:avLst/>
+          </a:prstGeom>
+          <a:noFill/>
+        </p:spPr>
+        <p:txBody>
+          <a:bodyPr wrap="square">
+            <a:spAutoFit/>
+          </a:bodyPr>
+          <a:lstStyle/>
+          <a:p>
+            <a:pPr algn="ctr">
+              <a:defRPr/>
+            </a:pPr>
+            <a:r>
+              <a:rPr lang="fr-FR" sz="4400" b="1" i="0" kern="1200" dirty="0">
+                <a:solidFill>
+                  <a:schemeClr val="tx1"/>
+                </a:solidFill>
+                <a:effectLst/>
+                <a:latin typeface="+mn-lt"/>
+                <a:ea typeface="+mn-ea"/>
+                <a:cs typeface="+mn-cs"/>
+              </a:rPr>
+              <a:t>Choix final de l’outil </a:t>
+            </a:r>
+          </a:p>
+          <a:p>
+            <a:pPr marL="0" marR="0" lvl="0" indent="0" algn="ctr" defTabSz="914400" rtl="0" eaLnBrk="1" fontAlgn="auto" latinLnBrk="0" hangingPunct="1">
+              <a:lnSpc>
+                <a:spcPct val="100000"/>
+              </a:lnSpc>
+              <a:spcBef>
+                <a:spcPts val="0"/>
+              </a:spcBef>
+              <a:spcAft>
+                <a:spcPts val="0"/>
+              </a:spcAft>
+              <a:buClrTx/>
+              <a:buSzTx/>
+              <a:buFontTx/>
+              <a:buNone/>
+              <a:tabLst/>
+              <a:defRPr/>
+            </a:pPr>
+            <a:endParaRPr lang="fr-FR" sz="4400" b="1" i="0" kern="1200" dirty="0">
+              <a:solidFill>
+                <a:schemeClr val="tx1"/>
+              </a:solidFill>
+              <a:effectLst/>
+              <a:latin typeface="+mn-lt"/>
+              <a:ea typeface="+mn-ea"/>
+              <a:cs typeface="+mn-cs"/>
+            </a:endParaRPr>
+          </a:p>
+        </p:txBody>
+      </p:sp>
       <p:sp>
         <p:nvSpPr>
           <p:cNvPr id="4" name="ZoneTexte 3">
@@ -4502,7 +4637,7 @@
 </p:sld>
 </file>
 
-<file path=ppt/slides/slide11.xml><?xml version="1.0" encoding="utf-8"?>
+<file path=ppt/slides/slide12.xml><?xml version="1.0" encoding="utf-8"?>
 <p:sld xmlns:a="http://schemas.openxmlformats.org/drawingml/2006/main" xmlns:r="http://schemas.openxmlformats.org/officeDocument/2006/relationships" xmlns:p="http://schemas.openxmlformats.org/presentationml/2006/main">
   <p:cSld>
     <p:spTree>
@@ -5646,7 +5781,7 @@
         </p:nvSpPr>
         <p:spPr>
           <a:xfrm>
-            <a:off x="1107346" y="2830520"/>
+            <a:off x="1107346" y="2511738"/>
             <a:ext cx="7118102" cy="1754326"/>
           </a:xfrm>
           <a:prstGeom prst="rect">
@@ -5660,53 +5795,32 @@
           </a:bodyPr>
           <a:lstStyle/>
           <a:p>
-            <a:pPr algn="l"/>
-            <a:r>
-              <a:rPr lang="fr-FR" i="1" dirty="0">
-                <a:effectLst/>
-                <a:latin typeface="Arial" panose="020B0604020202020204" pitchFamily="34" charset="0"/>
-                <a:cs typeface="Arial" panose="020B0604020202020204" pitchFamily="34" charset="0"/>
-              </a:rPr>
+            <a:r>
+              <a:rPr lang="fr-FR" dirty="0"/>
               <a:t>Un logiciel de gestion doit être ergonomique et Simple</a:t>
             </a:r>
           </a:p>
           <a:p>
             <a:r>
-              <a:rPr lang="fr-FR" i="1" dirty="0">
-                <a:effectLst/>
-                <a:latin typeface="Arial" panose="020B0604020202020204" pitchFamily="34" charset="0"/>
-                <a:cs typeface="Arial" panose="020B0604020202020204" pitchFamily="34" charset="0"/>
-              </a:rPr>
+              <a:rPr lang="fr-FR" dirty="0"/>
               <a:t>Choisir une solution qui connait votre métier</a:t>
             </a:r>
           </a:p>
           <a:p>
             <a:r>
-              <a:rPr lang="fr-FR" i="1" dirty="0">
-                <a:effectLst/>
-                <a:latin typeface="Arial" panose="020B0604020202020204" pitchFamily="34" charset="0"/>
-                <a:cs typeface="Arial" panose="020B0604020202020204" pitchFamily="34" charset="0"/>
-              </a:rPr>
+              <a:rPr lang="fr-FR" dirty="0"/>
               <a:t>Penser mobilité de vos collaborateurs</a:t>
             </a:r>
           </a:p>
           <a:p>
             <a:r>
-              <a:rPr lang="fr-FR" i="1" dirty="0">
-                <a:effectLst/>
-                <a:latin typeface="Arial" panose="020B0604020202020204" pitchFamily="34" charset="0"/>
-                <a:cs typeface="Arial" panose="020B0604020202020204" pitchFamily="34" charset="0"/>
-              </a:rPr>
+              <a:rPr lang="fr-FR" dirty="0"/>
               <a:t>Le modèle économique d’un logiciel de gestion</a:t>
             </a:r>
           </a:p>
           <a:p>
             <a:r>
-              <a:rPr lang="fr-FR" i="1" dirty="0">
-                <a:effectLst/>
-                <a:latin typeface="Arial" panose="020B0604020202020204" pitchFamily="34" charset="0"/>
-                <a:cs typeface="Arial" panose="020B0604020202020204" pitchFamily="34" charset="0"/>
-              </a:rPr>
+              <a:rPr lang="fr-FR" dirty="0"/>
               <a:t>L’accompagnement et le service</a:t>
             </a:r>
           </a:p>
@@ -6917,7 +7031,7 @@
         </p:nvSpPr>
         <p:spPr>
           <a:xfrm>
-            <a:off x="1082180" y="2254350"/>
+            <a:off x="737974" y="2092305"/>
             <a:ext cx="8145710" cy="2308324"/>
           </a:xfrm>
           <a:prstGeom prst="rect">
@@ -7860,15 +7974,6 @@
 </file>
 
 <file path=customXml/item1.xml><?xml version="1.0" encoding="utf-8"?>
-<?mso-contentType ?>
-<FormTemplates xmlns="http://schemas.microsoft.com/sharepoint/v3/contenttype/forms">
-  <Display>DocumentLibraryForm</Display>
-  <Edit>DocumentLibraryForm</Edit>
-  <New>DocumentLibraryForm</New>
-</FormTemplates>
-</file>
-
-<file path=customXml/item2.xml><?xml version="1.0" encoding="utf-8"?>
 <ct:contentTypeSchema xmlns:ct="http://schemas.microsoft.com/office/2006/metadata/contentType" xmlns:ma="http://schemas.microsoft.com/office/2006/metadata/properties/metaAttributes" ct:_="" ma:_="" ma:contentTypeName="Document" ma:contentTypeID="0x01010079F111ED35F8CC479449609E8A0923A6" ma:contentTypeVersion="12" ma:contentTypeDescription="Create a new document." ma:contentTypeScope="" ma:versionID="a410dd7f93c95333ffa1b60ed6adedd1">
   <xsd:schema xmlns:xsd="http://www.w3.org/2001/XMLSchema" xmlns:xs="http://www.w3.org/2001/XMLSchema" xmlns:p="http://schemas.microsoft.com/office/2006/metadata/properties" xmlns:ns2="71af3243-3dd4-4a8d-8c0d-dd76da1f02a5" xmlns:ns3="16c05727-aa75-4e4a-9b5f-8a80a1165891" targetNamespace="http://schemas.microsoft.com/office/2006/metadata/properties" ma:root="true" ma:fieldsID="a936d9baba76aa3866493feff160faab" ns2:_="" ns3:_="">
     <xsd:import namespace="71af3243-3dd4-4a8d-8c0d-dd76da1f02a5"/>
@@ -8089,6 +8194,15 @@
 </ct:contentTypeSchema>
 </file>
 
+<file path=customXml/item2.xml><?xml version="1.0" encoding="utf-8"?>
+<?mso-contentType ?>
+<FormTemplates xmlns="http://schemas.microsoft.com/sharepoint/v3/contenttype/forms">
+  <Display>DocumentLibraryForm</Display>
+  <Edit>DocumentLibraryForm</Edit>
+  <New>DocumentLibraryForm</New>
+</FormTemplates>
+</file>
+
 <file path=customXml/item3.xml><?xml version="1.0" encoding="utf-8"?>
 <p:properties xmlns:p="http://schemas.microsoft.com/office/2006/metadata/properties" xmlns:xsi="http://www.w3.org/2001/XMLSchema-instance" xmlns:pc="http://schemas.microsoft.com/office/infopath/2007/PartnerControls">
   <documentManagement>
@@ -8099,14 +8213,6 @@
 </file>
 
 <file path=customXml/itemProps1.xml><?xml version="1.0" encoding="utf-8"?>
-<ds:datastoreItem xmlns:ds="http://schemas.openxmlformats.org/officeDocument/2006/customXml" ds:itemID="{31F006B4-A9E1-4F39-85C8-FB836F919348}">
-  <ds:schemaRefs>
-    <ds:schemaRef ds:uri="http://schemas.microsoft.com/sharepoint/v3/contenttype/forms"/>
-  </ds:schemaRefs>
-</ds:datastoreItem>
-</file>
-
-<file path=customXml/itemProps2.xml><?xml version="1.0" encoding="utf-8"?>
 <ds:datastoreItem xmlns:ds="http://schemas.openxmlformats.org/officeDocument/2006/customXml" ds:itemID="{16377351-63A1-4C2E-8C9A-66CDD70F16AC}">
   <ds:schemaRefs>
     <ds:schemaRef ds:uri="http://schemas.microsoft.com/office/2006/metadata/contentType"/>
@@ -8125,6 +8231,14 @@
 </ds:datastoreItem>
 </file>
 
+<file path=customXml/itemProps2.xml><?xml version="1.0" encoding="utf-8"?>
+<ds:datastoreItem xmlns:ds="http://schemas.openxmlformats.org/officeDocument/2006/customXml" ds:itemID="{31F006B4-A9E1-4F39-85C8-FB836F919348}">
+  <ds:schemaRefs>
+    <ds:schemaRef ds:uri="http://schemas.microsoft.com/sharepoint/v3/contenttype/forms"/>
+  </ds:schemaRefs>
+</ds:datastoreItem>
+</file>
+
 <file path=customXml/itemProps3.xml><?xml version="1.0" encoding="utf-8"?>
 <ds:datastoreItem xmlns:ds="http://schemas.openxmlformats.org/officeDocument/2006/customXml" ds:itemID="{8F3CD65D-61A5-43C9-A837-6EC73C7DA8AB}">
   <ds:schemaRefs>
